--- a/prezentacia-hrusovsky-ns2021.pptx
+++ b/prezentacia-hrusovsky-ns2021.pptx
@@ -274,7 +274,7 @@
           <a:p>
             <a:fld id="{073D55F9-11A3-4523-8F38-6BA37933791A}" type="datetime1">
               <a:rPr lang="en-US" smtClean="0"/>
-              <a:t>5/6/2021</a:t>
+              <a:t>5/7/2021</a:t>
             </a:fld>
             <a:endParaRPr lang="en-US"/>
           </a:p>
@@ -477,7 +477,7 @@
           <a:p>
             <a:fld id="{0B4E757A-3EC2-4683-9080-1A460C37C843}" type="datetime1">
               <a:rPr lang="en-US" smtClean="0"/>
-              <a:t>5/6/2021</a:t>
+              <a:t>5/7/2021</a:t>
             </a:fld>
             <a:endParaRPr lang="en-US"/>
           </a:p>
@@ -695,7 +695,7 @@
           <a:p>
             <a:fld id="{5CC8096C-64ED-4153-A483-5C02E44AD5C3}" type="datetime1">
               <a:rPr lang="en-US" smtClean="0"/>
-              <a:t>5/6/2021</a:t>
+              <a:t>5/7/2021</a:t>
             </a:fld>
             <a:endParaRPr lang="en-US" dirty="0"/>
           </a:p>
@@ -929,7 +929,7 @@
           <a:p>
             <a:fld id="{1CB9D56B-6EBE-4E5F-99D9-2A3DBDF37D0A}" type="datetime1">
               <a:rPr lang="en-US" smtClean="0"/>
-              <a:t>5/6/2021</a:t>
+              <a:t>5/7/2021</a:t>
             </a:fld>
             <a:endParaRPr lang="en-US"/>
           </a:p>
@@ -1206,7 +1206,7 @@
           <a:p>
             <a:fld id="{8C33F3CA-C7E3-432D-9282-18F13836509A}" type="datetime1">
               <a:rPr lang="en-US" smtClean="0"/>
-              <a:t>5/6/2021</a:t>
+              <a:t>5/7/2021</a:t>
             </a:fld>
             <a:endParaRPr lang="en-US" dirty="0"/>
           </a:p>
@@ -1477,7 +1477,7 @@
           <a:p>
             <a:fld id="{75BE9C62-1337-40B8-BA50-E9F4861DB4BC}" type="datetime1">
               <a:rPr lang="en-US" smtClean="0"/>
-              <a:t>5/6/2021</a:t>
+              <a:t>5/7/2021</a:t>
             </a:fld>
             <a:endParaRPr lang="en-US"/>
           </a:p>
@@ -1895,7 +1895,7 @@
           <a:p>
             <a:fld id="{47C195EB-2DA3-4B24-8725-19BC22A7BE50}" type="datetime1">
               <a:rPr lang="en-US" smtClean="0"/>
-              <a:t>5/6/2021</a:t>
+              <a:t>5/7/2021</a:t>
             </a:fld>
             <a:endParaRPr lang="en-US"/>
           </a:p>
@@ -2040,7 +2040,7 @@
           <a:p>
             <a:fld id="{F4E237E6-0076-4915-A5A8-B7C11FA4F374}" type="datetime1">
               <a:rPr lang="en-US" smtClean="0"/>
-              <a:t>5/6/2021</a:t>
+              <a:t>5/7/2021</a:t>
             </a:fld>
             <a:endParaRPr lang="en-US"/>
           </a:p>
@@ -2156,7 +2156,7 @@
           <a:p>
             <a:fld id="{3505F58F-C0B5-422A-8E5A-6B99E5D80F0A}" type="datetime1">
               <a:rPr lang="en-US" smtClean="0"/>
-              <a:t>5/6/2021</a:t>
+              <a:t>5/7/2021</a:t>
             </a:fld>
             <a:endParaRPr lang="en-US"/>
           </a:p>
@@ -2472,7 +2472,7 @@
           <a:p>
             <a:fld id="{7565E655-9687-48DF-A33F-F8824CCCB5D1}" type="datetime1">
               <a:rPr lang="en-US" smtClean="0"/>
-              <a:t>5/6/2021</a:t>
+              <a:t>5/7/2021</a:t>
             </a:fld>
             <a:endParaRPr lang="en-US"/>
           </a:p>
@@ -2768,7 +2768,7 @@
           <a:p>
             <a:fld id="{B97FD56A-AAB8-4544-A495-D0645413C9E3}" type="datetime1">
               <a:rPr lang="en-US" smtClean="0"/>
-              <a:t>5/6/2021</a:t>
+              <a:t>5/7/2021</a:t>
             </a:fld>
             <a:endParaRPr lang="en-US"/>
           </a:p>
@@ -4590,7 +4590,7 @@
             <a:fld id="{193BAB95-8DA7-460B-B00A-7037C8394FB0}" type="datetime1">
               <a:rPr lang="en-US" smtClean="0"/>
               <a:pPr/>
-              <a:t>5/6/2021</a:t>
+              <a:t>5/7/2021</a:t>
             </a:fld>
             <a:endParaRPr lang="en-US" dirty="0"/>
           </a:p>
@@ -5920,37 +5920,7 @@
                   </a:extLst>
                 </a:hlinkClick>
               </a:rPr>
-              <a:t>https://scikit</a:t>
-            </a:r>
-            <a:r>
-              <a:rPr lang="sk-SK" sz="1800" dirty="0">
-                <a:solidFill>
-                  <a:schemeClr val="bg1"/>
-                </a:solidFill>
-                <a:hlinkClick r:id="rId6">
-                  <a:extLst>
-                    <a:ext uri="{A12FA001-AC4F-418D-AE19-62706E023703}">
-                      <ahyp:hlinkClr xmlns:ahyp="http://schemas.microsoft.com/office/drawing/2018/hyperlinkcolor" val="tx"/>
-                    </a:ext>
-                  </a:extLst>
-                </a:hlinkClick>
-              </a:rPr>
-              <a:t>-</a:t>
-            </a:r>
-            <a:r>
-              <a:rPr lang="sk-SK" sz="1800" dirty="0">
-                <a:solidFill>
-                  <a:schemeClr val="bg1"/>
-                </a:solidFill>
-                <a:hlinkClick r:id="rId6">
-                  <a:extLst>
-                    <a:ext uri="{A12FA001-AC4F-418D-AE19-62706E023703}">
-                      <ahyp:hlinkClr xmlns:ahyp="http://schemas.microsoft.com/office/drawing/2018/hyperlinkcolor" val="tx"/>
-                    </a:ext>
-                  </a:extLst>
-                </a:hlinkClick>
-              </a:rPr>
-              <a:t>learn.org/stable/modules/generated/sklearn.model_selection.train_test_split.html</a:t>
+              <a:t>https://scikit-learn.org/stable/modules/generated/sklearn.model_selection.train_test_split.html</a:t>
             </a:r>
             <a:endParaRPr lang="sk-SK" sz="1800" dirty="0">
               <a:solidFill>
@@ -7184,10 +7154,10 @@
       </p:sp>
       <p:pic>
         <p:nvPicPr>
-          <p:cNvPr id="4" name="Obrázok 3">
-            <a:extLst>
-              <a:ext uri="{FF2B5EF4-FFF2-40B4-BE49-F238E27FC236}">
-                <a16:creationId xmlns:a16="http://schemas.microsoft.com/office/drawing/2014/main" id="{FC2444B4-581F-4A19-A693-52FF5FC7AE12}"/>
+          <p:cNvPr id="6" name="Obrázok 5">
+            <a:extLst>
+              <a:ext uri="{FF2B5EF4-FFF2-40B4-BE49-F238E27FC236}">
+                <a16:creationId xmlns:a16="http://schemas.microsoft.com/office/drawing/2014/main" id="{B4ED6716-C98E-456C-821F-5ABC06AC7D78}"/>
               </a:ext>
             </a:extLst>
           </p:cNvPr>
@@ -7204,8 +7174,8 @@
         </p:blipFill>
         <p:spPr>
           <a:xfrm>
-            <a:off x="2035308" y="1560378"/>
-            <a:ext cx="8121385" cy="5013759"/>
+            <a:off x="1369135" y="1562671"/>
+            <a:ext cx="8899062" cy="4930204"/>
           </a:xfrm>
           <a:prstGeom prst="rect">
             <a:avLst/>
